--- a/src/News-corner.pptx
+++ b/src/News-corner.pptx
@@ -1925,12 +1925,12 @@
   <pc:docChgLst>
     <pc:chgData name="Sanket Sonowal" userId="1e0192f996d60204" providerId="LiveId" clId="{C76124A5-D245-4593-855E-3D128F2D64C7}"/>
     <pc:docChg chg="undo redo custSel mod addSld delSld modSld sldOrd">
-      <pc:chgData name="Sanket Sonowal" userId="1e0192f996d60204" providerId="LiveId" clId="{C76124A5-D245-4593-855E-3D128F2D64C7}" dt="2021-01-26T11:28:10.163" v="4347" actId="14100"/>
+      <pc:chgData name="Sanket Sonowal" userId="1e0192f996d60204" providerId="LiveId" clId="{C76124A5-D245-4593-855E-3D128F2D64C7}" dt="2021-01-28T15:43:42.572" v="4353" actId="20577"/>
       <pc:docMkLst>
         <pc:docMk/>
       </pc:docMkLst>
       <pc:sldChg chg="addSp delSp modSp mod setBg">
-        <pc:chgData name="Sanket Sonowal" userId="1e0192f996d60204" providerId="LiveId" clId="{C76124A5-D245-4593-855E-3D128F2D64C7}" dt="2021-01-26T09:31:06.681" v="1909" actId="20577"/>
+        <pc:chgData name="Sanket Sonowal" userId="1e0192f996d60204" providerId="LiveId" clId="{C76124A5-D245-4593-855E-3D128F2D64C7}" dt="2021-01-28T14:33:22.976" v="4351" actId="5793"/>
         <pc:sldMkLst>
           <pc:docMk/>
           <pc:sldMk cId="909049060" sldId="257"/>
@@ -1952,7 +1952,7 @@
           </ac:spMkLst>
         </pc:spChg>
         <pc:spChg chg="mod ord">
-          <ac:chgData name="Sanket Sonowal" userId="1e0192f996d60204" providerId="LiveId" clId="{C76124A5-D245-4593-855E-3D128F2D64C7}" dt="2021-01-26T09:31:06.681" v="1909" actId="20577"/>
+          <ac:chgData name="Sanket Sonowal" userId="1e0192f996d60204" providerId="LiveId" clId="{C76124A5-D245-4593-855E-3D128F2D64C7}" dt="2021-01-28T14:33:22.976" v="4351" actId="5793"/>
           <ac:spMkLst>
             <pc:docMk/>
             <pc:sldMk cId="909049060" sldId="257"/>
@@ -2687,7 +2687,7 @@
         </pc:picChg>
       </pc:sldChg>
       <pc:sldChg chg="addSp delSp modSp mod setBg">
-        <pc:chgData name="Sanket Sonowal" userId="1e0192f996d60204" providerId="LiveId" clId="{C76124A5-D245-4593-855E-3D128F2D64C7}" dt="2021-01-26T09:30:59.782" v="1905" actId="313"/>
+        <pc:chgData name="Sanket Sonowal" userId="1e0192f996d60204" providerId="LiveId" clId="{C76124A5-D245-4593-855E-3D128F2D64C7}" dt="2021-01-28T14:33:07.663" v="4348" actId="5793"/>
         <pc:sldMkLst>
           <pc:docMk/>
           <pc:sldMk cId="2219185888" sldId="260"/>
@@ -2709,7 +2709,7 @@
           </ac:spMkLst>
         </pc:spChg>
         <pc:spChg chg="mod ord">
-          <ac:chgData name="Sanket Sonowal" userId="1e0192f996d60204" providerId="LiveId" clId="{C76124A5-D245-4593-855E-3D128F2D64C7}" dt="2021-01-26T09:30:59.782" v="1905" actId="313"/>
+          <ac:chgData name="Sanket Sonowal" userId="1e0192f996d60204" providerId="LiveId" clId="{C76124A5-D245-4593-855E-3D128F2D64C7}" dt="2021-01-28T14:33:07.663" v="4348" actId="5793"/>
           <ac:spMkLst>
             <pc:docMk/>
             <pc:sldMk cId="2219185888" sldId="260"/>
@@ -3094,7 +3094,7 @@
         </pc:picChg>
       </pc:sldChg>
       <pc:sldChg chg="addSp delSp modSp mod setBg">
-        <pc:chgData name="Sanket Sonowal" userId="1e0192f996d60204" providerId="LiveId" clId="{C76124A5-D245-4593-855E-3D128F2D64C7}" dt="2021-01-26T08:38:44.828" v="1769" actId="26606"/>
+        <pc:chgData name="Sanket Sonowal" userId="1e0192f996d60204" providerId="LiveId" clId="{C76124A5-D245-4593-855E-3D128F2D64C7}" dt="2021-01-28T14:33:19.048" v="4350" actId="5793"/>
         <pc:sldMkLst>
           <pc:docMk/>
           <pc:sldMk cId="1230903297" sldId="261"/>
@@ -3116,7 +3116,7 @@
           </ac:spMkLst>
         </pc:spChg>
         <pc:spChg chg="mod ord">
-          <ac:chgData name="Sanket Sonowal" userId="1e0192f996d60204" providerId="LiveId" clId="{C76124A5-D245-4593-855E-3D128F2D64C7}" dt="2021-01-26T08:38:44.828" v="1769" actId="26606"/>
+          <ac:chgData name="Sanket Sonowal" userId="1e0192f996d60204" providerId="LiveId" clId="{C76124A5-D245-4593-855E-3D128F2D64C7}" dt="2021-01-28T14:33:19.048" v="4350" actId="5793"/>
           <ac:spMkLst>
             <pc:docMk/>
             <pc:sldMk cId="1230903297" sldId="261"/>
@@ -3301,7 +3301,7 @@
         </pc:picChg>
       </pc:sldChg>
       <pc:sldChg chg="addSp delSp modSp mod setBg">
-        <pc:chgData name="Sanket Sonowal" userId="1e0192f996d60204" providerId="LiveId" clId="{C76124A5-D245-4593-855E-3D128F2D64C7}" dt="2021-01-25T19:12:13.949" v="1679" actId="1076"/>
+        <pc:chgData name="Sanket Sonowal" userId="1e0192f996d60204" providerId="LiveId" clId="{C76124A5-D245-4593-855E-3D128F2D64C7}" dt="2021-01-28T14:33:15.422" v="4349" actId="12"/>
         <pc:sldMkLst>
           <pc:docMk/>
           <pc:sldMk cId="1352472307" sldId="262"/>
@@ -3323,7 +3323,7 @@
           </ac:spMkLst>
         </pc:spChg>
         <pc:spChg chg="mod ord">
-          <ac:chgData name="Sanket Sonowal" userId="1e0192f996d60204" providerId="LiveId" clId="{C76124A5-D245-4593-855E-3D128F2D64C7}" dt="2021-01-25T19:11:30.577" v="1663" actId="26606"/>
+          <ac:chgData name="Sanket Sonowal" userId="1e0192f996d60204" providerId="LiveId" clId="{C76124A5-D245-4593-855E-3D128F2D64C7}" dt="2021-01-28T14:33:15.422" v="4349" actId="12"/>
           <ac:spMkLst>
             <pc:docMk/>
             <pc:sldMk cId="1352472307" sldId="262"/>
@@ -3468,7 +3468,7 @@
         </pc:picChg>
       </pc:sldChg>
       <pc:sldChg chg="addSp delSp modSp mod setBg">
-        <pc:chgData name="Sanket Sonowal" userId="1e0192f996d60204" providerId="LiveId" clId="{C76124A5-D245-4593-855E-3D128F2D64C7}" dt="2021-01-25T19:29:03.658" v="1729" actId="26606"/>
+        <pc:chgData name="Sanket Sonowal" userId="1e0192f996d60204" providerId="LiveId" clId="{C76124A5-D245-4593-855E-3D128F2D64C7}" dt="2021-01-28T14:33:27.367" v="4352" actId="5793"/>
         <pc:sldMkLst>
           <pc:docMk/>
           <pc:sldMk cId="426875019" sldId="263"/>
@@ -3490,7 +3490,7 @@
           </ac:spMkLst>
         </pc:spChg>
         <pc:spChg chg="mod ord">
-          <ac:chgData name="Sanket Sonowal" userId="1e0192f996d60204" providerId="LiveId" clId="{C76124A5-D245-4593-855E-3D128F2D64C7}" dt="2021-01-25T19:29:03.658" v="1729" actId="26606"/>
+          <ac:chgData name="Sanket Sonowal" userId="1e0192f996d60204" providerId="LiveId" clId="{C76124A5-D245-4593-855E-3D128F2D64C7}" dt="2021-01-28T14:33:27.367" v="4352" actId="5793"/>
           <ac:spMkLst>
             <pc:docMk/>
             <pc:sldMk cId="426875019" sldId="263"/>
@@ -5178,7 +5178,7 @@
         </pc:picChg>
       </pc:sldChg>
       <pc:sldChg chg="addSp delSp modSp add mod">
-        <pc:chgData name="Sanket Sonowal" userId="1e0192f996d60204" providerId="LiveId" clId="{C76124A5-D245-4593-855E-3D128F2D64C7}" dt="2021-01-26T11:23:44.931" v="4131" actId="1076"/>
+        <pc:chgData name="Sanket Sonowal" userId="1e0192f996d60204" providerId="LiveId" clId="{C76124A5-D245-4593-855E-3D128F2D64C7}" dt="2021-01-28T15:43:42.572" v="4353" actId="20577"/>
         <pc:sldMkLst>
           <pc:docMk/>
           <pc:sldMk cId="1897472262" sldId="274"/>
@@ -5200,7 +5200,7 @@
           </ac:spMkLst>
         </pc:spChg>
         <pc:spChg chg="mod">
-          <ac:chgData name="Sanket Sonowal" userId="1e0192f996d60204" providerId="LiveId" clId="{C76124A5-D245-4593-855E-3D128F2D64C7}" dt="2021-01-26T11:23:10.631" v="4124" actId="12"/>
+          <ac:chgData name="Sanket Sonowal" userId="1e0192f996d60204" providerId="LiveId" clId="{C76124A5-D245-4593-855E-3D128F2D64C7}" dt="2021-01-28T15:43:42.572" v="4353" actId="20577"/>
           <ac:spMkLst>
             <pc:docMk/>
             <pc:sldMk cId="1897472262" sldId="274"/>
@@ -19524,7 +19524,7 @@
           <a:p>
             <a:fld id="{02AC24A9-CCB6-4F8D-B8DB-C2F3692CFA5A}" type="datetimeFigureOut">
               <a:rPr lang="en-US" smtClean="0"/>
-              <a:t>1/26/2021</a:t>
+              <a:t>1/28/2021</a:t>
             </a:fld>
             <a:endParaRPr lang="en-US" dirty="0"/>
           </a:p>
@@ -19893,7 +19893,7 @@
           <a:p>
             <a:fld id="{02AC24A9-CCB6-4F8D-B8DB-C2F3692CFA5A}" type="datetimeFigureOut">
               <a:rPr lang="en-US" smtClean="0"/>
-              <a:t>1/26/2021</a:t>
+              <a:t>1/28/2021</a:t>
             </a:fld>
             <a:endParaRPr lang="en-US" dirty="0"/>
           </a:p>
@@ -20101,7 +20101,7 @@
           <a:p>
             <a:fld id="{02AC24A9-CCB6-4F8D-B8DB-C2F3692CFA5A}" type="datetimeFigureOut">
               <a:rPr lang="en-US" smtClean="0"/>
-              <a:t>1/26/2021</a:t>
+              <a:t>1/28/2021</a:t>
             </a:fld>
             <a:endParaRPr lang="en-US" dirty="0"/>
           </a:p>
@@ -20571,7 +20571,7 @@
           <a:p>
             <a:fld id="{02AC24A9-CCB6-4F8D-B8DB-C2F3692CFA5A}" type="datetimeFigureOut">
               <a:rPr lang="en-US" smtClean="0"/>
-              <a:t>1/26/2021</a:t>
+              <a:t>1/28/2021</a:t>
             </a:fld>
             <a:endParaRPr lang="en-US" dirty="0"/>
           </a:p>
@@ -21025,7 +21025,7 @@
           <a:p>
             <a:fld id="{02AC24A9-CCB6-4F8D-B8DB-C2F3692CFA5A}" type="datetimeFigureOut">
               <a:rPr lang="en-US" smtClean="0"/>
-              <a:t>1/26/2021</a:t>
+              <a:t>1/28/2021</a:t>
             </a:fld>
             <a:endParaRPr lang="en-US" dirty="0"/>
           </a:p>
@@ -21557,7 +21557,7 @@
           <a:p>
             <a:fld id="{02AC24A9-CCB6-4F8D-B8DB-C2F3692CFA5A}" type="datetimeFigureOut">
               <a:rPr lang="en-US" smtClean="0"/>
-              <a:t>1/26/2021</a:t>
+              <a:t>1/28/2021</a:t>
             </a:fld>
             <a:endParaRPr lang="en-US" dirty="0"/>
           </a:p>
@@ -22256,7 +22256,7 @@
           <a:p>
             <a:fld id="{02AC24A9-CCB6-4F8D-B8DB-C2F3692CFA5A}" type="datetimeFigureOut">
               <a:rPr lang="en-US" smtClean="0"/>
-              <a:t>1/26/2021</a:t>
+              <a:t>1/28/2021</a:t>
             </a:fld>
             <a:endParaRPr lang="en-US" dirty="0"/>
           </a:p>
@@ -22585,7 +22585,7 @@
           <a:p>
             <a:fld id="{02AC24A9-CCB6-4F8D-B8DB-C2F3692CFA5A}" type="datetimeFigureOut">
               <a:rPr lang="en-US" smtClean="0"/>
-              <a:t>1/26/2021</a:t>
+              <a:t>1/28/2021</a:t>
             </a:fld>
             <a:endParaRPr lang="en-US" dirty="0"/>
           </a:p>
@@ -22698,7 +22698,7 @@
           <a:p>
             <a:fld id="{02AC24A9-CCB6-4F8D-B8DB-C2F3692CFA5A}" type="datetimeFigureOut">
               <a:rPr lang="en-US" smtClean="0"/>
-              <a:t>1/26/2021</a:t>
+              <a:t>1/28/2021</a:t>
             </a:fld>
             <a:endParaRPr lang="en-US" dirty="0"/>
           </a:p>
@@ -23193,7 +23193,7 @@
           <a:p>
             <a:fld id="{02AC24A9-CCB6-4F8D-B8DB-C2F3692CFA5A}" type="datetimeFigureOut">
               <a:rPr lang="en-US" smtClean="0"/>
-              <a:t>1/26/2021</a:t>
+              <a:t>1/28/2021</a:t>
             </a:fld>
             <a:endParaRPr lang="en-US" dirty="0"/>
           </a:p>
@@ -23670,7 +23670,7 @@
           <a:p>
             <a:fld id="{02AC24A9-CCB6-4F8D-B8DB-C2F3692CFA5A}" type="datetimeFigureOut">
               <a:rPr lang="en-US" smtClean="0"/>
-              <a:t>1/26/2021</a:t>
+              <a:t>1/28/2021</a:t>
             </a:fld>
             <a:endParaRPr lang="en-US" dirty="0"/>
           </a:p>
@@ -23911,7 +23911,7 @@
           <a:p>
             <a:fld id="{02AC24A9-CCB6-4F8D-B8DB-C2F3692CFA5A}" type="datetimeFigureOut">
               <a:rPr lang="en-US" smtClean="0"/>
-              <a:t>1/26/2021</a:t>
+              <a:t>1/28/2021</a:t>
             </a:fld>
             <a:endParaRPr lang="en-US" dirty="0"/>
           </a:p>
@@ -27487,7 +27487,15 @@
             </a:pPr>
             <a:r>
               <a:rPr lang="en-US" dirty="0"/>
-              <a:t>Result Section: It contains a list of card of fetched news and provides a gist of the article.</a:t>
+              <a:t>Result Section: It contains a list </a:t>
+            </a:r>
+            <a:r>
+              <a:rPr lang="en-US"/>
+              <a:t>of cards </a:t>
+            </a:r>
+            <a:r>
+              <a:rPr lang="en-US" dirty="0"/>
+              <a:t>of fetched news and provides a gist of the article.</a:t>
             </a:r>
           </a:p>
           <a:p>
@@ -29620,10 +29628,6 @@
           </a:bodyPr>
           <a:lstStyle/>
           <a:p>
-            <a:pPr indent="-228600">
-              <a:buFont typeface="Arial" panose="020B0604020202020204" pitchFamily="34" charset="0"/>
-              <a:buChar char="•"/>
-            </a:pPr>
             <a:r>
               <a:rPr lang="en-US" dirty="0"/>
               <a:t>This section is the main navigation bar which includes:</a:t>
@@ -29806,7 +29810,8 @@
           </a:p>
           <a:p>
             <a:pPr marL="342900" indent="-342900">
-              <a:buAutoNum type="arabicPeriod"/>
+              <a:buFont typeface="Arial" panose="020B0604020202020204" pitchFamily="34" charset="0"/>
+              <a:buChar char="•"/>
             </a:pPr>
             <a:r>
               <a:rPr lang="en-US" dirty="0"/>
@@ -29815,7 +29820,8 @@
           </a:p>
           <a:p>
             <a:pPr marL="342900" indent="-342900">
-              <a:buAutoNum type="arabicPeriod"/>
+              <a:buFont typeface="Arial" panose="020B0604020202020204" pitchFamily="34" charset="0"/>
+              <a:buChar char="•"/>
             </a:pPr>
             <a:r>
               <a:rPr lang="en-US" dirty="0"/>
@@ -29824,7 +29830,8 @@
           </a:p>
           <a:p>
             <a:pPr marL="342900" indent="-342900">
-              <a:buAutoNum type="arabicPeriod"/>
+              <a:buFont typeface="Arial" panose="020B0604020202020204" pitchFamily="34" charset="0"/>
+              <a:buChar char="•"/>
             </a:pPr>
             <a:r>
               <a:rPr lang="en-US" dirty="0"/>
@@ -30621,10 +30628,6 @@
           </a:bodyPr>
           <a:lstStyle/>
           <a:p>
-            <a:pPr indent="-228600">
-              <a:buFont typeface="Arial" panose="020B0604020202020204" pitchFamily="34" charset="0"/>
-              <a:buChar char="•"/>
-            </a:pPr>
             <a:r>
               <a:rPr lang="en-US" sz="1700" dirty="0"/>
               <a:t>This section takes input as query from user and searches news based on the query. Under this section:</a:t>
@@ -31409,10 +31412,6 @@
           </a:bodyPr>
           <a:lstStyle/>
           <a:p>
-            <a:pPr indent="-228600">
-              <a:buFont typeface="Arial" panose="020B0604020202020204" pitchFamily="34" charset="0"/>
-              <a:buChar char="•"/>
-            </a:pPr>
             <a:r>
               <a:rPr lang="en-US" sz="1700" dirty="0"/>
               <a:t>This section displays the recent news based on the predefined topics:</a:t>
@@ -32318,10 +32317,6 @@
           </a:bodyPr>
           <a:lstStyle/>
           <a:p>
-            <a:pPr indent="-228600">
-              <a:buFont typeface="Arial" panose="020B0604020202020204" pitchFamily="34" charset="0"/>
-              <a:buChar char="•"/>
-            </a:pPr>
             <a:r>
               <a:rPr lang="en-US" sz="1700" dirty="0"/>
               <a:t>This section displays result news which is returned from the user's search query. This section is divided into:</a:t>
